--- a/Documentation/PPT_Grp_6.pptx
+++ b/Documentation/PPT_Grp_6.pptx
@@ -3141,7 +3141,7 @@
   <pc:docChgLst>
     <pc:chgData name="Ayush Mangroliya" userId="8617bd3e343424b6" providerId="LiveId" clId="{9EA5EA98-2A4B-41CA-9FD1-0941F5183F17}"/>
     <pc:docChg chg="undo custSel addSld delSld modSld sldOrd modMainMaster">
-      <pc:chgData name="Ayush Mangroliya" userId="8617bd3e343424b6" providerId="LiveId" clId="{9EA5EA98-2A4B-41CA-9FD1-0941F5183F17}" dt="2023-12-03T15:26:01.961" v="5253" actId="1076"/>
+      <pc:chgData name="Ayush Mangroliya" userId="8617bd3e343424b6" providerId="LiveId" clId="{9EA5EA98-2A4B-41CA-9FD1-0941F5183F17}" dt="2023-12-04T08:37:45.576" v="5268" actId="1076"/>
       <pc:docMkLst>
         <pc:docMk/>
       </pc:docMkLst>
@@ -3647,13 +3647,13 @@
         </pc:spChg>
       </pc:sldChg>
       <pc:sldChg chg="addSp delSp modSp add mod">
-        <pc:chgData name="Ayush Mangroliya" userId="8617bd3e343424b6" providerId="LiveId" clId="{9EA5EA98-2A4B-41CA-9FD1-0941F5183F17}" dt="2023-12-01T11:42:29.234" v="4383" actId="1076"/>
+        <pc:chgData name="Ayush Mangroliya" userId="8617bd3e343424b6" providerId="LiveId" clId="{9EA5EA98-2A4B-41CA-9FD1-0941F5183F17}" dt="2023-12-04T08:37:45.576" v="5268" actId="1076"/>
         <pc:sldMkLst>
           <pc:docMk/>
           <pc:sldMk cId="3893249568" sldId="354"/>
         </pc:sldMkLst>
         <pc:spChg chg="add mod">
-          <ac:chgData name="Ayush Mangroliya" userId="8617bd3e343424b6" providerId="LiveId" clId="{9EA5EA98-2A4B-41CA-9FD1-0941F5183F17}" dt="2023-12-01T11:42:29.234" v="4383" actId="1076"/>
+          <ac:chgData name="Ayush Mangroliya" userId="8617bd3e343424b6" providerId="LiveId" clId="{9EA5EA98-2A4B-41CA-9FD1-0941F5183F17}" dt="2023-12-04T08:37:45.576" v="5268" actId="1076"/>
           <ac:spMkLst>
             <pc:docMk/>
             <pc:sldMk cId="3893249568" sldId="354"/>
@@ -3694,7 +3694,7 @@
         </pc:spChg>
       </pc:sldChg>
       <pc:sldChg chg="addSp delSp modSp add mod">
-        <pc:chgData name="Ayush Mangroliya" userId="8617bd3e343424b6" providerId="LiveId" clId="{9EA5EA98-2A4B-41CA-9FD1-0941F5183F17}" dt="2023-12-01T11:43:32.082" v="4419" actId="1076"/>
+        <pc:chgData name="Ayush Mangroliya" userId="8617bd3e343424b6" providerId="LiveId" clId="{9EA5EA98-2A4B-41CA-9FD1-0941F5183F17}" dt="2023-12-04T08:37:11.696" v="5255" actId="20577"/>
         <pc:sldMkLst>
           <pc:docMk/>
           <pc:sldMk cId="964405529" sldId="355"/>
@@ -3724,7 +3724,7 @@
           </ac:spMkLst>
         </pc:spChg>
         <pc:spChg chg="add mod">
-          <ac:chgData name="Ayush Mangroliya" userId="8617bd3e343424b6" providerId="LiveId" clId="{9EA5EA98-2A4B-41CA-9FD1-0941F5183F17}" dt="2023-12-01T11:43:32.082" v="4419" actId="1076"/>
+          <ac:chgData name="Ayush Mangroliya" userId="8617bd3e343424b6" providerId="LiveId" clId="{9EA5EA98-2A4B-41CA-9FD1-0941F5183F17}" dt="2023-12-04T08:37:11.696" v="5255" actId="20577"/>
           <ac:spMkLst>
             <pc:docMk/>
             <pc:sldMk cId="964405529" sldId="355"/>
@@ -10484,7 +10484,7 @@
               <a:rPr lang="en-IN" sz="13800" dirty="0">
                 <a:latin typeface="HP Simplified" panose="020B0604020204020204" pitchFamily="34" charset="0"/>
               </a:rPr>
-              <a:t>8/10</a:t>
+              <a:t>7/10</a:t>
             </a:r>
           </a:p>
         </p:txBody>
@@ -13000,8 +13000,8 @@
         </p:nvSpPr>
         <p:spPr>
           <a:xfrm>
-            <a:off x="3152078" y="1702419"/>
-            <a:ext cx="3122341" cy="2215991"/>
+            <a:off x="3018263" y="1702419"/>
+            <a:ext cx="2899317" cy="2215991"/>
           </a:xfrm>
           <a:prstGeom prst="rect">
             <a:avLst/>
